--- a/presentations/dbscan_clustering.pptx
+++ b/presentations/dbscan_clustering.pptx
@@ -6,7 +6,14 @@
   </p:sldMasterIdLst>
   <p:sldIdLst>
     <p:sldId id="256" r:id="rId2"/>
-    <p:sldId id="257" r:id="rId3"/>
+    <p:sldId id="259" r:id="rId3"/>
+    <p:sldId id="260" r:id="rId4"/>
+    <p:sldId id="257" r:id="rId5"/>
+    <p:sldId id="261" r:id="rId6"/>
+    <p:sldId id="262" r:id="rId7"/>
+    <p:sldId id="263" r:id="rId8"/>
+    <p:sldId id="264" r:id="rId9"/>
+    <p:sldId id="265" r:id="rId10"/>
   </p:sldIdLst>
   <p:sldSz cx="9144000" cy="6858000" type="screen4x3"/>
   <p:notesSz cx="6858000" cy="9144000"/>
@@ -289,7 +296,7 @@
           <a:p>
             <a:fld id="{75292ED2-1289-054B-830A-E8B082BEF59D}" type="datetimeFigureOut">
               <a:rPr lang="en-US" smtClean="0"/>
-              <a:t>1/4/14</a:t>
+              <a:t>1/6/14</a:t>
             </a:fld>
             <a:endParaRPr lang="en-US"/>
           </a:p>
@@ -459,7 +466,7 @@
           <a:p>
             <a:fld id="{75292ED2-1289-054B-830A-E8B082BEF59D}" type="datetimeFigureOut">
               <a:rPr lang="en-US" smtClean="0"/>
-              <a:t>1/4/14</a:t>
+              <a:t>1/6/14</a:t>
             </a:fld>
             <a:endParaRPr lang="en-US"/>
           </a:p>
@@ -639,7 +646,7 @@
           <a:p>
             <a:fld id="{75292ED2-1289-054B-830A-E8B082BEF59D}" type="datetimeFigureOut">
               <a:rPr lang="en-US" smtClean="0"/>
-              <a:t>1/4/14</a:t>
+              <a:t>1/6/14</a:t>
             </a:fld>
             <a:endParaRPr lang="en-US"/>
           </a:p>
@@ -809,7 +816,7 @@
           <a:p>
             <a:fld id="{75292ED2-1289-054B-830A-E8B082BEF59D}" type="datetimeFigureOut">
               <a:rPr lang="en-US" smtClean="0"/>
-              <a:t>1/4/14</a:t>
+              <a:t>1/6/14</a:t>
             </a:fld>
             <a:endParaRPr lang="en-US"/>
           </a:p>
@@ -1055,7 +1062,7 @@
           <a:p>
             <a:fld id="{75292ED2-1289-054B-830A-E8B082BEF59D}" type="datetimeFigureOut">
               <a:rPr lang="en-US" smtClean="0"/>
-              <a:t>1/4/14</a:t>
+              <a:t>1/6/14</a:t>
             </a:fld>
             <a:endParaRPr lang="en-US"/>
           </a:p>
@@ -1343,7 +1350,7 @@
           <a:p>
             <a:fld id="{75292ED2-1289-054B-830A-E8B082BEF59D}" type="datetimeFigureOut">
               <a:rPr lang="en-US" smtClean="0"/>
-              <a:t>1/4/14</a:t>
+              <a:t>1/6/14</a:t>
             </a:fld>
             <a:endParaRPr lang="en-US"/>
           </a:p>
@@ -1765,7 +1772,7 @@
           <a:p>
             <a:fld id="{75292ED2-1289-054B-830A-E8B082BEF59D}" type="datetimeFigureOut">
               <a:rPr lang="en-US" smtClean="0"/>
-              <a:t>1/4/14</a:t>
+              <a:t>1/6/14</a:t>
             </a:fld>
             <a:endParaRPr lang="en-US"/>
           </a:p>
@@ -1883,7 +1890,7 @@
           <a:p>
             <a:fld id="{75292ED2-1289-054B-830A-E8B082BEF59D}" type="datetimeFigureOut">
               <a:rPr lang="en-US" smtClean="0"/>
-              <a:t>1/4/14</a:t>
+              <a:t>1/6/14</a:t>
             </a:fld>
             <a:endParaRPr lang="en-US"/>
           </a:p>
@@ -1978,7 +1985,7 @@
           <a:p>
             <a:fld id="{75292ED2-1289-054B-830A-E8B082BEF59D}" type="datetimeFigureOut">
               <a:rPr lang="en-US" smtClean="0"/>
-              <a:t>1/4/14</a:t>
+              <a:t>1/6/14</a:t>
             </a:fld>
             <a:endParaRPr lang="en-US"/>
           </a:p>
@@ -2255,7 +2262,7 @@
           <a:p>
             <a:fld id="{75292ED2-1289-054B-830A-E8B082BEF59D}" type="datetimeFigureOut">
               <a:rPr lang="en-US" smtClean="0"/>
-              <a:t>1/4/14</a:t>
+              <a:t>1/6/14</a:t>
             </a:fld>
             <a:endParaRPr lang="en-US"/>
           </a:p>
@@ -2508,7 +2515,7 @@
           <a:p>
             <a:fld id="{75292ED2-1289-054B-830A-E8B082BEF59D}" type="datetimeFigureOut">
               <a:rPr lang="en-US" smtClean="0"/>
-              <a:t>1/4/14</a:t>
+              <a:t>1/6/14</a:t>
             </a:fld>
             <a:endParaRPr lang="en-US"/>
           </a:p>
@@ -2721,7 +2728,7 @@
           <a:p>
             <a:fld id="{75292ED2-1289-054B-830A-E8B082BEF59D}" type="datetimeFigureOut">
               <a:rPr lang="en-US" smtClean="0"/>
-              <a:t>1/4/14</a:t>
+              <a:t>1/6/14</a:t>
             </a:fld>
             <a:endParaRPr lang="en-US"/>
           </a:p>
@@ -3112,8 +3119,8 @@
           <a:lstStyle/>
           <a:p>
             <a:r>
-              <a:rPr lang="en-US" dirty="0" err="1" smtClean="0"/>
-              <a:t>DBScan</a:t>
+              <a:rPr lang="en-US" dirty="0" smtClean="0"/>
+              <a:t>Unsupervised Learning</a:t>
             </a:r>
             <a:endParaRPr lang="en-US" dirty="0"/>
           </a:p>
@@ -3134,7 +3141,11 @@
           <a:bodyPr/>
           <a:lstStyle/>
           <a:p>
-            <a:endParaRPr lang="en-US"/>
+            <a:r>
+              <a:rPr lang="en-US" dirty="0" smtClean="0"/>
+              <a:t>DB Scan</a:t>
+            </a:r>
+            <a:endParaRPr lang="en-US" dirty="0"/>
           </a:p>
         </p:txBody>
       </p:sp>
@@ -3148,10 +3159,618 @@
   <p:clrMapOvr>
     <a:masterClrMapping/>
   </p:clrMapOvr>
+  <p:timing>
+    <p:tnLst>
+      <p:par>
+        <p:cTn xmlns:p14="http://schemas.microsoft.com/office/powerpoint/2010/main" id="1" dur="indefinite" restart="never" nodeType="tmRoot"/>
+      </p:par>
+    </p:tnLst>
+  </p:timing>
 </p:sld>
 </file>
 
 <file path=ppt/slides/slide2.xml><?xml version="1.0" encoding="utf-8"?>
+<p:sld xmlns:a="http://schemas.openxmlformats.org/drawingml/2006/main" xmlns:r="http://schemas.openxmlformats.org/officeDocument/2006/relationships" xmlns:p="http://schemas.openxmlformats.org/presentationml/2006/main">
+  <p:cSld>
+    <p:spTree>
+      <p:nvGrpSpPr>
+        <p:cNvPr id="1" name=""/>
+        <p:cNvGrpSpPr/>
+        <p:nvPr/>
+      </p:nvGrpSpPr>
+      <p:grpSpPr>
+        <a:xfrm>
+          <a:off x="0" y="0"/>
+          <a:ext cx="0" cy="0"/>
+          <a:chOff x="0" y="0"/>
+          <a:chExt cx="0" cy="0"/>
+        </a:xfrm>
+      </p:grpSpPr>
+      <p:sp>
+        <p:nvSpPr>
+          <p:cNvPr id="2" name="Title 1"/>
+          <p:cNvSpPr>
+            <a:spLocks noGrp="1"/>
+          </p:cNvSpPr>
+          <p:nvPr>
+            <p:ph type="title"/>
+          </p:nvPr>
+        </p:nvSpPr>
+        <p:spPr/>
+        <p:txBody>
+          <a:bodyPr/>
+          <a:lstStyle/>
+          <a:p>
+            <a:r>
+              <a:rPr lang="en-US" dirty="0" err="1" smtClean="0"/>
+              <a:t>DBScan</a:t>
+            </a:r>
+            <a:endParaRPr lang="en-US" dirty="0"/>
+          </a:p>
+        </p:txBody>
+      </p:sp>
+      <p:sp>
+        <p:nvSpPr>
+          <p:cNvPr id="3" name="Content Placeholder 2"/>
+          <p:cNvSpPr>
+            <a:spLocks noGrp="1"/>
+          </p:cNvSpPr>
+          <p:nvPr>
+            <p:ph idx="1"/>
+          </p:nvPr>
+        </p:nvSpPr>
+        <p:spPr/>
+        <p:txBody>
+          <a:bodyPr>
+            <a:normAutofit fontScale="92500"/>
+          </a:bodyPr>
+          <a:lstStyle/>
+          <a:p>
+            <a:r>
+              <a:rPr lang="en-US" dirty="0" smtClean="0"/>
+              <a:t>For continuous data (age, weight, height) always </a:t>
+            </a:r>
+            <a:r>
+              <a:rPr lang="en-US" dirty="0" smtClean="0"/>
+              <a:t>produces just 1 cluster, even after attempting different epsilon and </a:t>
+            </a:r>
+            <a:r>
+              <a:rPr lang="en-US" dirty="0" err="1" smtClean="0"/>
+              <a:t>min_cluster_size</a:t>
+            </a:r>
+            <a:r>
+              <a:rPr lang="en-US" dirty="0" smtClean="0"/>
+              <a:t> values</a:t>
+            </a:r>
+          </a:p>
+          <a:p>
+            <a:r>
+              <a:rPr lang="en-US" dirty="0" smtClean="0"/>
+              <a:t>Hypothesis: data has no obvious clusters which are separated by a spaces/gaps, need a clustering mechanism that considers variables which are </a:t>
+            </a:r>
+            <a:r>
+              <a:rPr lang="en-US" dirty="0" smtClean="0"/>
+              <a:t>continuous</a:t>
+            </a:r>
+          </a:p>
+          <a:p>
+            <a:r>
+              <a:rPr lang="en-US" dirty="0" err="1" smtClean="0"/>
+              <a:t>DBScan</a:t>
+            </a:r>
+            <a:r>
+              <a:rPr lang="en-US" dirty="0" smtClean="0"/>
+              <a:t> may be useful for continuous </a:t>
+            </a:r>
+            <a:r>
+              <a:rPr lang="en-US" dirty="0" err="1" smtClean="0"/>
+              <a:t>vs</a:t>
+            </a:r>
+            <a:r>
+              <a:rPr lang="en-US" dirty="0" smtClean="0"/>
+              <a:t> categorical data</a:t>
+            </a:r>
+            <a:endParaRPr lang="en-US" dirty="0" smtClean="0"/>
+          </a:p>
+          <a:p>
+            <a:endParaRPr lang="en-US" dirty="0"/>
+          </a:p>
+        </p:txBody>
+      </p:sp>
+    </p:spTree>
+    <p:extLst>
+      <p:ext uri="{BB962C8B-B14F-4D97-AF65-F5344CB8AC3E}">
+        <p14:creationId xmlns:p14="http://schemas.microsoft.com/office/powerpoint/2010/main" val="4057999960"/>
+      </p:ext>
+    </p:extLst>
+  </p:cSld>
+  <p:clrMapOvr>
+    <a:masterClrMapping/>
+  </p:clrMapOvr>
+  <p:timing>
+    <p:tnLst>
+      <p:par>
+        <p:cTn xmlns:p14="http://schemas.microsoft.com/office/powerpoint/2010/main" id="1" dur="indefinite" restart="never" nodeType="tmRoot"/>
+      </p:par>
+    </p:tnLst>
+  </p:timing>
+</p:sld>
+</file>
+
+<file path=ppt/slides/slide3.xml><?xml version="1.0" encoding="utf-8"?>
+<p:sld xmlns:a="http://schemas.openxmlformats.org/drawingml/2006/main" xmlns:r="http://schemas.openxmlformats.org/officeDocument/2006/relationships" xmlns:p="http://schemas.openxmlformats.org/presentationml/2006/main">
+  <p:cSld>
+    <p:spTree>
+      <p:nvGrpSpPr>
+        <p:cNvPr id="1" name=""/>
+        <p:cNvGrpSpPr/>
+        <p:nvPr/>
+      </p:nvGrpSpPr>
+      <p:grpSpPr>
+        <a:xfrm>
+          <a:off x="0" y="0"/>
+          <a:ext cx="0" cy="0"/>
+          <a:chOff x="0" y="0"/>
+          <a:chExt cx="0" cy="0"/>
+        </a:xfrm>
+      </p:grpSpPr>
+      <p:sp>
+        <p:nvSpPr>
+          <p:cNvPr id="2" name="Title 1"/>
+          <p:cNvSpPr>
+            <a:spLocks noGrp="1"/>
+          </p:cNvSpPr>
+          <p:nvPr>
+            <p:ph type="title"/>
+          </p:nvPr>
+        </p:nvSpPr>
+        <p:spPr/>
+        <p:txBody>
+          <a:bodyPr>
+            <a:noAutofit/>
+          </a:bodyPr>
+          <a:lstStyle/>
+          <a:p>
+            <a:r>
+              <a:rPr lang="en-US" sz="3600" b="1" dirty="0" smtClean="0"/>
+              <a:t>BMI</a:t>
+            </a:r>
+            <a:r>
+              <a:rPr lang="en-US" sz="3600" dirty="0" smtClean="0"/>
+              <a:t> (calculated from height/weight) </a:t>
+            </a:r>
+            <a:r>
+              <a:rPr lang="en-US" sz="3600" dirty="0" err="1" smtClean="0"/>
+              <a:t>vs</a:t>
+            </a:r>
+            <a:r>
+              <a:rPr lang="en-US" sz="3600" dirty="0" smtClean="0"/>
+              <a:t> </a:t>
+            </a:r>
+            <a:r>
+              <a:rPr lang="en-US" sz="3600" b="1" dirty="0" smtClean="0"/>
+              <a:t>Body Type </a:t>
+            </a:r>
+            <a:r>
+              <a:rPr lang="en-US" sz="3600" dirty="0" smtClean="0"/>
+              <a:t>(self-selected)</a:t>
+            </a:r>
+            <a:endParaRPr lang="en-US" sz="3600" dirty="0"/>
+          </a:p>
+        </p:txBody>
+      </p:sp>
+      <p:pic>
+        <p:nvPicPr>
+          <p:cNvPr id="4" name="Picture 3"/>
+          <p:cNvPicPr>
+            <a:picLocks noChangeAspect="1"/>
+          </p:cNvPicPr>
+          <p:nvPr/>
+        </p:nvPicPr>
+        <p:blipFill>
+          <a:blip r:embed="rId2"/>
+          <a:stretch>
+            <a:fillRect/>
+          </a:stretch>
+        </p:blipFill>
+        <p:spPr>
+          <a:xfrm>
+            <a:off x="645082" y="1709111"/>
+            <a:ext cx="4977685" cy="5070490"/>
+          </a:xfrm>
+          <a:prstGeom prst="rect">
+            <a:avLst/>
+          </a:prstGeom>
+        </p:spPr>
+      </p:pic>
+      <p:sp>
+        <p:nvSpPr>
+          <p:cNvPr id="5" name="TextBox 4"/>
+          <p:cNvSpPr txBox="1"/>
+          <p:nvPr/>
+        </p:nvSpPr>
+        <p:spPr>
+          <a:xfrm>
+            <a:off x="5910481" y="2336306"/>
+            <a:ext cx="2776319" cy="2585323"/>
+          </a:xfrm>
+          <a:prstGeom prst="rect">
+            <a:avLst/>
+          </a:prstGeom>
+          <a:noFill/>
+        </p:spPr>
+        <p:txBody>
+          <a:bodyPr wrap="square" rtlCol="0">
+            <a:spAutoFit/>
+          </a:bodyPr>
+          <a:lstStyle/>
+          <a:p>
+            <a:r>
+              <a:rPr lang="en-US" dirty="0" smtClean="0">
+                <a:solidFill>
+                  <a:srgbClr val="0000FF"/>
+                </a:solidFill>
+              </a:rPr>
+              <a:t>Cluster 1: Average</a:t>
+            </a:r>
+          </a:p>
+          <a:p>
+            <a:endParaRPr lang="en-US" dirty="0"/>
+          </a:p>
+          <a:p>
+            <a:r>
+              <a:rPr lang="en-US" dirty="0" smtClean="0">
+                <a:solidFill>
+                  <a:schemeClr val="accent5"/>
+                </a:solidFill>
+              </a:rPr>
+              <a:t>Cluster 2: Slim</a:t>
+            </a:r>
+          </a:p>
+          <a:p>
+            <a:endParaRPr lang="en-US" dirty="0"/>
+          </a:p>
+          <a:p>
+            <a:r>
+              <a:rPr lang="en-US" dirty="0" smtClean="0">
+                <a:solidFill>
+                  <a:schemeClr val="accent2">
+                    <a:lumMod val="75000"/>
+                  </a:schemeClr>
+                </a:solidFill>
+              </a:rPr>
+              <a:t>Cluster 3: Athletic</a:t>
+            </a:r>
+          </a:p>
+          <a:p>
+            <a:endParaRPr lang="en-US" dirty="0"/>
+          </a:p>
+          <a:p>
+            <a:r>
+              <a:rPr lang="en-US" dirty="0" smtClean="0">
+                <a:solidFill>
+                  <a:schemeClr val="accent3">
+                    <a:lumMod val="75000"/>
+                  </a:schemeClr>
+                </a:solidFill>
+              </a:rPr>
+              <a:t>Cluster 0: </a:t>
+            </a:r>
+            <a:r>
+              <a:rPr lang="en-US" dirty="0" err="1" smtClean="0">
+                <a:solidFill>
+                  <a:schemeClr val="accent3">
+                    <a:lumMod val="75000"/>
+                  </a:schemeClr>
+                </a:solidFill>
+              </a:rPr>
+              <a:t>Unclustered</a:t>
+            </a:r>
+            <a:r>
+              <a:rPr lang="en-US" dirty="0" smtClean="0">
+                <a:solidFill>
+                  <a:schemeClr val="accent3">
+                    <a:lumMod val="75000"/>
+                  </a:schemeClr>
+                </a:solidFill>
+              </a:rPr>
+              <a:t> (“heavy” comes in this category!)</a:t>
+            </a:r>
+            <a:endParaRPr lang="en-US" dirty="0">
+              <a:solidFill>
+                <a:schemeClr val="accent3">
+                  <a:lumMod val="75000"/>
+                </a:schemeClr>
+              </a:solidFill>
+            </a:endParaRPr>
+          </a:p>
+        </p:txBody>
+      </p:sp>
+    </p:spTree>
+    <p:extLst>
+      <p:ext uri="{BB962C8B-B14F-4D97-AF65-F5344CB8AC3E}">
+        <p14:creationId xmlns:p14="http://schemas.microsoft.com/office/powerpoint/2010/main" val="2912909896"/>
+      </p:ext>
+    </p:extLst>
+  </p:cSld>
+  <p:clrMapOvr>
+    <a:masterClrMapping/>
+  </p:clrMapOvr>
+  <p:timing>
+    <p:tnLst>
+      <p:par>
+        <p:cTn xmlns:p14="http://schemas.microsoft.com/office/powerpoint/2010/main" id="1" dur="indefinite" restart="never" nodeType="tmRoot"/>
+      </p:par>
+    </p:tnLst>
+  </p:timing>
+</p:sld>
+</file>
+
+<file path=ppt/slides/slide4.xml><?xml version="1.0" encoding="utf-8"?>
+<p:sld xmlns:a="http://schemas.openxmlformats.org/drawingml/2006/main" xmlns:r="http://schemas.openxmlformats.org/officeDocument/2006/relationships" xmlns:p="http://schemas.openxmlformats.org/presentationml/2006/main">
+  <p:cSld>
+    <p:spTree>
+      <p:nvGrpSpPr>
+        <p:cNvPr id="1" name=""/>
+        <p:cNvGrpSpPr/>
+        <p:nvPr/>
+      </p:nvGrpSpPr>
+      <p:grpSpPr>
+        <a:xfrm>
+          <a:off x="0" y="0"/>
+          <a:ext cx="0" cy="0"/>
+          <a:chOff x="0" y="0"/>
+          <a:chExt cx="0" cy="0"/>
+        </a:xfrm>
+      </p:grpSpPr>
+      <p:pic>
+        <p:nvPicPr>
+          <p:cNvPr id="2" name="Picture 1"/>
+          <p:cNvPicPr>
+            <a:picLocks noChangeAspect="1"/>
+          </p:cNvPicPr>
+          <p:nvPr/>
+        </p:nvPicPr>
+        <p:blipFill>
+          <a:blip r:embed="rId2"/>
+          <a:stretch>
+            <a:fillRect/>
+          </a:stretch>
+        </p:blipFill>
+        <p:spPr>
+          <a:xfrm>
+            <a:off x="149348" y="0"/>
+            <a:ext cx="6800850" cy="6858000"/>
+          </a:xfrm>
+          <a:prstGeom prst="rect">
+            <a:avLst/>
+          </a:prstGeom>
+        </p:spPr>
+      </p:pic>
+      <p:sp>
+        <p:nvSpPr>
+          <p:cNvPr id="5" name="TextBox 4"/>
+          <p:cNvSpPr txBox="1"/>
+          <p:nvPr/>
+        </p:nvSpPr>
+        <p:spPr>
+          <a:xfrm>
+            <a:off x="6823705" y="846714"/>
+            <a:ext cx="2320295" cy="5816978"/>
+          </a:xfrm>
+          <a:prstGeom prst="rect">
+            <a:avLst/>
+          </a:prstGeom>
+          <a:noFill/>
+        </p:spPr>
+        <p:txBody>
+          <a:bodyPr wrap="square" rtlCol="0">
+            <a:spAutoFit/>
+          </a:bodyPr>
+          <a:lstStyle/>
+          <a:p>
+            <a:r>
+              <a:rPr lang="en-US" dirty="0">
+                <a:solidFill>
+                  <a:schemeClr val="accent2">
+                    <a:lumMod val="75000"/>
+                  </a:schemeClr>
+                </a:solidFill>
+              </a:rPr>
+              <a:t>Cluster 3: </a:t>
+            </a:r>
+            <a:r>
+              <a:rPr lang="en-US" dirty="0" smtClean="0">
+                <a:solidFill>
+                  <a:schemeClr val="accent2">
+                    <a:lumMod val="75000"/>
+                  </a:schemeClr>
+                </a:solidFill>
+              </a:rPr>
+              <a:t>Athletic</a:t>
+            </a:r>
+            <a:endParaRPr lang="en-US" dirty="0" smtClean="0">
+              <a:solidFill>
+                <a:srgbClr val="0000FF"/>
+              </a:solidFill>
+            </a:endParaRPr>
+          </a:p>
+          <a:p>
+            <a:endParaRPr lang="en-US" dirty="0" smtClean="0">
+              <a:solidFill>
+                <a:srgbClr val="0000FF"/>
+              </a:solidFill>
+            </a:endParaRPr>
+          </a:p>
+          <a:p>
+            <a:endParaRPr lang="en-US" dirty="0" smtClean="0">
+              <a:solidFill>
+                <a:srgbClr val="0000FF"/>
+              </a:solidFill>
+            </a:endParaRPr>
+          </a:p>
+          <a:p>
+            <a:endParaRPr lang="en-US" dirty="0">
+              <a:solidFill>
+                <a:srgbClr val="0000FF"/>
+              </a:solidFill>
+            </a:endParaRPr>
+          </a:p>
+          <a:p>
+            <a:endParaRPr lang="en-US" dirty="0" smtClean="0">
+              <a:solidFill>
+                <a:srgbClr val="0000FF"/>
+              </a:solidFill>
+            </a:endParaRPr>
+          </a:p>
+          <a:p>
+            <a:endParaRPr lang="en-US" dirty="0">
+              <a:solidFill>
+                <a:srgbClr val="0000FF"/>
+              </a:solidFill>
+            </a:endParaRPr>
+          </a:p>
+          <a:p>
+            <a:endParaRPr lang="en-US" dirty="0" smtClean="0">
+              <a:solidFill>
+                <a:srgbClr val="0000FF"/>
+              </a:solidFill>
+            </a:endParaRPr>
+          </a:p>
+          <a:p>
+            <a:endParaRPr lang="en-US" dirty="0">
+              <a:solidFill>
+                <a:srgbClr val="0000FF"/>
+              </a:solidFill>
+            </a:endParaRPr>
+          </a:p>
+          <a:p>
+            <a:endParaRPr lang="en-US" dirty="0">
+              <a:solidFill>
+                <a:srgbClr val="0000FF"/>
+              </a:solidFill>
+            </a:endParaRPr>
+          </a:p>
+          <a:p>
+            <a:r>
+              <a:rPr lang="en-US" dirty="0" smtClean="0">
+                <a:solidFill>
+                  <a:srgbClr val="0000FF"/>
+                </a:solidFill>
+              </a:rPr>
+              <a:t>Cluster 1: Average</a:t>
+            </a:r>
+          </a:p>
+          <a:p>
+            <a:endParaRPr lang="en-US" dirty="0" smtClean="0"/>
+          </a:p>
+          <a:p>
+            <a:endParaRPr lang="en-US" dirty="0"/>
+          </a:p>
+          <a:p>
+            <a:endParaRPr lang="en-US" dirty="0"/>
+          </a:p>
+          <a:p>
+            <a:r>
+              <a:rPr lang="en-US" dirty="0" smtClean="0">
+                <a:solidFill>
+                  <a:schemeClr val="accent5"/>
+                </a:solidFill>
+              </a:rPr>
+              <a:t>Cluster 2: Slim</a:t>
+            </a:r>
+          </a:p>
+          <a:p>
+            <a:endParaRPr lang="en-US" dirty="0" smtClean="0"/>
+          </a:p>
+          <a:p>
+            <a:endParaRPr lang="en-US" dirty="0"/>
+          </a:p>
+          <a:p>
+            <a:r>
+              <a:rPr lang="en-US" dirty="0" smtClean="0">
+                <a:solidFill>
+                  <a:schemeClr val="accent3">
+                    <a:lumMod val="75000"/>
+                  </a:schemeClr>
+                </a:solidFill>
+              </a:rPr>
+              <a:t>Cluster 0: </a:t>
+            </a:r>
+            <a:r>
+              <a:rPr lang="en-US" dirty="0" err="1" smtClean="0">
+                <a:solidFill>
+                  <a:schemeClr val="accent3">
+                    <a:lumMod val="75000"/>
+                  </a:schemeClr>
+                </a:solidFill>
+              </a:rPr>
+              <a:t>Unclustered</a:t>
+            </a:r>
+            <a:r>
+              <a:rPr lang="en-US" dirty="0" smtClean="0">
+                <a:solidFill>
+                  <a:schemeClr val="accent3">
+                    <a:lumMod val="75000"/>
+                  </a:schemeClr>
+                </a:solidFill>
+              </a:rPr>
+              <a:t> (“heavy” comes in this category!)</a:t>
+            </a:r>
+          </a:p>
+          <a:p>
+            <a:endParaRPr lang="en-US" dirty="0">
+              <a:solidFill>
+                <a:schemeClr val="accent3">
+                  <a:lumMod val="75000"/>
+                </a:schemeClr>
+              </a:solidFill>
+            </a:endParaRPr>
+          </a:p>
+          <a:p>
+            <a:r>
+              <a:rPr lang="en-US" sz="1200" dirty="0" smtClean="0">
+                <a:solidFill>
+                  <a:schemeClr val="tx1">
+                    <a:lumMod val="85000"/>
+                    <a:lumOff val="15000"/>
+                  </a:schemeClr>
+                </a:solidFill>
+              </a:rPr>
+              <a:t>Epsilon = 1.0, min points = 100</a:t>
+            </a:r>
+            <a:endParaRPr lang="en-US" sz="1200" dirty="0">
+              <a:solidFill>
+                <a:schemeClr val="tx1">
+                  <a:lumMod val="85000"/>
+                  <a:lumOff val="15000"/>
+                </a:schemeClr>
+              </a:solidFill>
+            </a:endParaRPr>
+          </a:p>
+        </p:txBody>
+      </p:sp>
+    </p:spTree>
+    <p:extLst>
+      <p:ext uri="{BB962C8B-B14F-4D97-AF65-F5344CB8AC3E}">
+        <p14:creationId xmlns:p14="http://schemas.microsoft.com/office/powerpoint/2010/main" val="3334292387"/>
+      </p:ext>
+    </p:extLst>
+  </p:cSld>
+  <p:clrMapOvr>
+    <a:masterClrMapping/>
+  </p:clrMapOvr>
+  <p:timing>
+    <p:tnLst>
+      <p:par>
+        <p:cTn xmlns:p14="http://schemas.microsoft.com/office/powerpoint/2010/main" id="1" dur="indefinite" restart="never" nodeType="tmRoot"/>
+      </p:par>
+    </p:tnLst>
+  </p:timing>
+</p:sld>
+</file>
+
+<file path=ppt/slides/slide5.xml><?xml version="1.0" encoding="utf-8"?>
 <p:sld xmlns:a="http://schemas.openxmlformats.org/drawingml/2006/main" xmlns:r="http://schemas.openxmlformats.org/officeDocument/2006/relationships" xmlns:p="http://schemas.openxmlformats.org/presentationml/2006/main">
   <p:cSld>
     <p:spTree>
@@ -3184,8 +3803,354 @@
         </p:blipFill>
         <p:spPr>
           <a:xfrm>
-            <a:off x="1193800" y="0"/>
-            <a:ext cx="6755472" cy="6858000"/>
+            <a:off x="1206500" y="1450294"/>
+            <a:ext cx="5299732" cy="5407706"/>
+          </a:xfrm>
+          <a:prstGeom prst="rect">
+            <a:avLst/>
+          </a:prstGeom>
+        </p:spPr>
+      </p:pic>
+      <p:sp>
+        <p:nvSpPr>
+          <p:cNvPr id="5" name="Title 4"/>
+          <p:cNvSpPr>
+            <a:spLocks noGrp="1"/>
+          </p:cNvSpPr>
+          <p:nvPr>
+            <p:ph type="title"/>
+          </p:nvPr>
+        </p:nvSpPr>
+        <p:spPr/>
+        <p:txBody>
+          <a:bodyPr>
+            <a:normAutofit fontScale="90000"/>
+          </a:bodyPr>
+          <a:lstStyle/>
+          <a:p>
+            <a:r>
+              <a:rPr lang="en-US" dirty="0" smtClean="0"/>
+              <a:t>Introducing Gender into the Mix: 5 Clusters, 1 un clustered category</a:t>
+            </a:r>
+            <a:endParaRPr lang="en-US" dirty="0"/>
+          </a:p>
+        </p:txBody>
+      </p:sp>
+    </p:spTree>
+    <p:extLst>
+      <p:ext uri="{BB962C8B-B14F-4D97-AF65-F5344CB8AC3E}">
+        <p14:creationId xmlns:p14="http://schemas.microsoft.com/office/powerpoint/2010/main" val="2048343593"/>
+      </p:ext>
+    </p:extLst>
+  </p:cSld>
+  <p:clrMapOvr>
+    <a:masterClrMapping/>
+  </p:clrMapOvr>
+  <p:timing>
+    <p:tnLst>
+      <p:par>
+        <p:cTn xmlns:p14="http://schemas.microsoft.com/office/powerpoint/2010/main" id="1" dur="indefinite" restart="never" nodeType="tmRoot"/>
+      </p:par>
+    </p:tnLst>
+  </p:timing>
+</p:sld>
+</file>
+
+<file path=ppt/slides/slide6.xml><?xml version="1.0" encoding="utf-8"?>
+<p:sld xmlns:a="http://schemas.openxmlformats.org/drawingml/2006/main" xmlns:r="http://schemas.openxmlformats.org/officeDocument/2006/relationships" xmlns:p="http://schemas.openxmlformats.org/presentationml/2006/main">
+  <p:cSld>
+    <p:spTree>
+      <p:nvGrpSpPr>
+        <p:cNvPr id="1" name=""/>
+        <p:cNvGrpSpPr/>
+        <p:nvPr/>
+      </p:nvGrpSpPr>
+      <p:grpSpPr>
+        <a:xfrm>
+          <a:off x="0" y="0"/>
+          <a:ext cx="0" cy="0"/>
+          <a:chOff x="0" y="0"/>
+          <a:chExt cx="0" cy="0"/>
+        </a:xfrm>
+      </p:grpSpPr>
+      <p:pic>
+        <p:nvPicPr>
+          <p:cNvPr id="4" name="Picture 3"/>
+          <p:cNvPicPr>
+            <a:picLocks noChangeAspect="1"/>
+          </p:cNvPicPr>
+          <p:nvPr/>
+        </p:nvPicPr>
+        <p:blipFill>
+          <a:blip r:embed="rId2"/>
+          <a:stretch>
+            <a:fillRect/>
+          </a:stretch>
+        </p:blipFill>
+        <p:spPr>
+          <a:xfrm>
+            <a:off x="0" y="0"/>
+            <a:ext cx="6777990" cy="6858000"/>
+          </a:xfrm>
+          <a:prstGeom prst="rect">
+            <a:avLst/>
+          </a:prstGeom>
+        </p:spPr>
+      </p:pic>
+      <p:pic>
+        <p:nvPicPr>
+          <p:cNvPr id="6" name="Picture 5"/>
+          <p:cNvPicPr>
+            <a:picLocks noChangeAspect="1"/>
+          </p:cNvPicPr>
+          <p:nvPr/>
+        </p:nvPicPr>
+        <p:blipFill>
+          <a:blip r:embed="rId3"/>
+          <a:stretch>
+            <a:fillRect/>
+          </a:stretch>
+        </p:blipFill>
+        <p:spPr>
+          <a:xfrm>
+            <a:off x="6793667" y="2463095"/>
+            <a:ext cx="2324100" cy="2628900"/>
+          </a:xfrm>
+          <a:prstGeom prst="rect">
+            <a:avLst/>
+          </a:prstGeom>
+        </p:spPr>
+      </p:pic>
+      <p:sp>
+        <p:nvSpPr>
+          <p:cNvPr id="7" name="TextBox 6"/>
+          <p:cNvSpPr txBox="1"/>
+          <p:nvPr/>
+        </p:nvSpPr>
+        <p:spPr>
+          <a:xfrm rot="16200000">
+            <a:off x="6403328" y="5485645"/>
+            <a:ext cx="1689755" cy="369332"/>
+          </a:xfrm>
+          <a:prstGeom prst="rect">
+            <a:avLst/>
+          </a:prstGeom>
+          <a:noFill/>
+        </p:spPr>
+        <p:txBody>
+          <a:bodyPr wrap="square" rtlCol="0">
+            <a:spAutoFit/>
+          </a:bodyPr>
+          <a:lstStyle/>
+          <a:p>
+            <a:pPr algn="r"/>
+            <a:r>
+              <a:rPr lang="en-US" dirty="0" smtClean="0"/>
+              <a:t>Female clusters</a:t>
+            </a:r>
+            <a:endParaRPr lang="en-US" dirty="0"/>
+          </a:p>
+        </p:txBody>
+      </p:sp>
+      <p:sp>
+        <p:nvSpPr>
+          <p:cNvPr id="8" name="TextBox 7"/>
+          <p:cNvSpPr txBox="1"/>
+          <p:nvPr/>
+        </p:nvSpPr>
+        <p:spPr>
+          <a:xfrm rot="16200000">
+            <a:off x="7841301" y="5501325"/>
+            <a:ext cx="1689755" cy="369332"/>
+          </a:xfrm>
+          <a:prstGeom prst="rect">
+            <a:avLst/>
+          </a:prstGeom>
+          <a:noFill/>
+        </p:spPr>
+        <p:txBody>
+          <a:bodyPr wrap="square" rtlCol="0">
+            <a:spAutoFit/>
+          </a:bodyPr>
+          <a:lstStyle/>
+          <a:p>
+            <a:pPr algn="r"/>
+            <a:r>
+              <a:rPr lang="en-US" dirty="0" smtClean="0"/>
+              <a:t>Male clusters</a:t>
+            </a:r>
+            <a:endParaRPr lang="en-US" dirty="0"/>
+          </a:p>
+        </p:txBody>
+      </p:sp>
+      <p:cxnSp>
+        <p:nvCxnSpPr>
+          <p:cNvPr id="10" name="Straight Arrow Connector 9"/>
+          <p:cNvCxnSpPr/>
+          <p:nvPr/>
+        </p:nvCxnSpPr>
+        <p:spPr>
+          <a:xfrm flipV="1">
+            <a:off x="5157953" y="1097594"/>
+            <a:ext cx="2163518" cy="15680"/>
+          </a:xfrm>
+          <a:prstGeom prst="straightConnector1">
+            <a:avLst/>
+          </a:prstGeom>
+          <a:ln>
+            <a:solidFill>
+              <a:srgbClr val="FF0000"/>
+            </a:solidFill>
+            <a:tailEnd type="arrow"/>
+          </a:ln>
+        </p:spPr>
+        <p:style>
+          <a:lnRef idx="2">
+            <a:schemeClr val="accent1"/>
+          </a:lnRef>
+          <a:fillRef idx="0">
+            <a:schemeClr val="accent1"/>
+          </a:fillRef>
+          <a:effectRef idx="1">
+            <a:schemeClr val="accent1"/>
+          </a:effectRef>
+          <a:fontRef idx="minor">
+            <a:schemeClr val="tx1"/>
+          </a:fontRef>
+        </p:style>
+      </p:cxnSp>
+      <p:sp>
+        <p:nvSpPr>
+          <p:cNvPr id="11" name="TextBox 10"/>
+          <p:cNvSpPr txBox="1"/>
+          <p:nvPr/>
+        </p:nvSpPr>
+        <p:spPr>
+          <a:xfrm>
+            <a:off x="7307448" y="376314"/>
+            <a:ext cx="1684895" cy="1477328"/>
+          </a:xfrm>
+          <a:prstGeom prst="rect">
+            <a:avLst/>
+          </a:prstGeom>
+          <a:noFill/>
+        </p:spPr>
+        <p:txBody>
+          <a:bodyPr wrap="square" rtlCol="0">
+            <a:spAutoFit/>
+          </a:bodyPr>
+          <a:lstStyle/>
+          <a:p>
+            <a:r>
+              <a:rPr lang="en-US" dirty="0" smtClean="0"/>
+              <a:t>Very few athletic females! They don’t form a cluster.</a:t>
+            </a:r>
+            <a:endParaRPr lang="en-US" dirty="0"/>
+          </a:p>
+        </p:txBody>
+      </p:sp>
+    </p:spTree>
+    <p:extLst>
+      <p:ext uri="{BB962C8B-B14F-4D97-AF65-F5344CB8AC3E}">
+        <p14:creationId xmlns:p14="http://schemas.microsoft.com/office/powerpoint/2010/main" val="3204975319"/>
+      </p:ext>
+    </p:extLst>
+  </p:cSld>
+  <p:clrMapOvr>
+    <a:masterClrMapping/>
+  </p:clrMapOvr>
+  <p:timing>
+    <p:tnLst>
+      <p:par>
+        <p:cTn xmlns:p14="http://schemas.microsoft.com/office/powerpoint/2010/main" id="1" dur="indefinite" restart="never" nodeType="tmRoot"/>
+      </p:par>
+    </p:tnLst>
+  </p:timing>
+</p:sld>
+</file>
+
+<file path=ppt/slides/slide7.xml><?xml version="1.0" encoding="utf-8"?>
+<p:sld xmlns:a="http://schemas.openxmlformats.org/drawingml/2006/main" xmlns:r="http://schemas.openxmlformats.org/officeDocument/2006/relationships" xmlns:p="http://schemas.openxmlformats.org/presentationml/2006/main">
+  <p:cSld>
+    <p:spTree>
+      <p:nvGrpSpPr>
+        <p:cNvPr id="1" name=""/>
+        <p:cNvGrpSpPr/>
+        <p:nvPr/>
+      </p:nvGrpSpPr>
+      <p:grpSpPr>
+        <a:xfrm>
+          <a:off x="0" y="0"/>
+          <a:ext cx="0" cy="0"/>
+          <a:chOff x="0" y="0"/>
+          <a:chExt cx="0" cy="0"/>
+        </a:xfrm>
+      </p:grpSpPr>
+      <p:sp>
+        <p:nvSpPr>
+          <p:cNvPr id="2" name="Title 1"/>
+          <p:cNvSpPr>
+            <a:spLocks noGrp="1"/>
+          </p:cNvSpPr>
+          <p:nvPr>
+            <p:ph type="title"/>
+          </p:nvPr>
+        </p:nvSpPr>
+        <p:spPr/>
+        <p:txBody>
+          <a:bodyPr/>
+          <a:lstStyle/>
+          <a:p>
+            <a:r>
+              <a:rPr lang="en-US" dirty="0" smtClean="0"/>
+              <a:t>DB Scan for Prediction?</a:t>
+            </a:r>
+            <a:endParaRPr lang="en-US" dirty="0"/>
+          </a:p>
+        </p:txBody>
+      </p:sp>
+      <p:sp>
+        <p:nvSpPr>
+          <p:cNvPr id="3" name="Content Placeholder 2"/>
+          <p:cNvSpPr>
+            <a:spLocks noGrp="1"/>
+          </p:cNvSpPr>
+          <p:nvPr>
+            <p:ph idx="1"/>
+          </p:nvPr>
+        </p:nvSpPr>
+        <p:spPr/>
+        <p:txBody>
+          <a:bodyPr>
+            <a:normAutofit/>
+          </a:bodyPr>
+          <a:lstStyle/>
+          <a:p>
+            <a:r>
+              <a:rPr lang="en-US" sz="2400" dirty="0" smtClean="0"/>
+              <a:t>We can construct a large cluster containing the same number of profiles that selected their body type as “average”:</a:t>
+            </a:r>
+          </a:p>
+        </p:txBody>
+      </p:sp>
+      <p:pic>
+        <p:nvPicPr>
+          <p:cNvPr id="4" name="Picture 3"/>
+          <p:cNvPicPr>
+            <a:picLocks noChangeAspect="1"/>
+          </p:cNvPicPr>
+          <p:nvPr/>
+        </p:nvPicPr>
+        <p:blipFill>
+          <a:blip r:embed="rId2"/>
+          <a:stretch>
+            <a:fillRect/>
+          </a:stretch>
+        </p:blipFill>
+        <p:spPr>
+          <a:xfrm>
+            <a:off x="2375579" y="2622280"/>
+            <a:ext cx="4193363" cy="4235720"/>
           </a:xfrm>
           <a:prstGeom prst="rect">
             <a:avLst/>
@@ -3195,7 +4160,183 @@
     </p:spTree>
     <p:extLst>
       <p:ext uri="{BB962C8B-B14F-4D97-AF65-F5344CB8AC3E}">
-        <p14:creationId xmlns:p14="http://schemas.microsoft.com/office/powerpoint/2010/main" val="3334292387"/>
+        <p14:creationId xmlns:p14="http://schemas.microsoft.com/office/powerpoint/2010/main" val="2558393470"/>
+      </p:ext>
+    </p:extLst>
+  </p:cSld>
+  <p:clrMapOvr>
+    <a:masterClrMapping/>
+  </p:clrMapOvr>
+  <p:timing>
+    <p:tnLst>
+      <p:par>
+        <p:cTn xmlns:p14="http://schemas.microsoft.com/office/powerpoint/2010/main" id="1" dur="indefinite" restart="never" nodeType="tmRoot"/>
+      </p:par>
+    </p:tnLst>
+  </p:timing>
+</p:sld>
+</file>
+
+<file path=ppt/slides/slide8.xml><?xml version="1.0" encoding="utf-8"?>
+<p:sld xmlns:a="http://schemas.openxmlformats.org/drawingml/2006/main" xmlns:r="http://schemas.openxmlformats.org/officeDocument/2006/relationships" xmlns:p="http://schemas.openxmlformats.org/presentationml/2006/main">
+  <p:cSld>
+    <p:spTree>
+      <p:nvGrpSpPr>
+        <p:cNvPr id="1" name=""/>
+        <p:cNvGrpSpPr/>
+        <p:nvPr/>
+      </p:nvGrpSpPr>
+      <p:grpSpPr>
+        <a:xfrm>
+          <a:off x="0" y="0"/>
+          <a:ext cx="0" cy="0"/>
+          <a:chOff x="0" y="0"/>
+          <a:chExt cx="0" cy="0"/>
+        </a:xfrm>
+      </p:grpSpPr>
+      <p:sp>
+        <p:nvSpPr>
+          <p:cNvPr id="3" name="Content Placeholder 2"/>
+          <p:cNvSpPr>
+            <a:spLocks noGrp="1"/>
+          </p:cNvSpPr>
+          <p:nvPr>
+            <p:ph idx="1"/>
+          </p:nvPr>
+        </p:nvSpPr>
+        <p:spPr>
+          <a:xfrm>
+            <a:off x="457200" y="173328"/>
+            <a:ext cx="8229600" cy="4525963"/>
+          </a:xfrm>
+        </p:spPr>
+        <p:txBody>
+          <a:bodyPr/>
+          <a:lstStyle/>
+          <a:p>
+            <a:r>
+              <a:rPr lang="en-US" dirty="0" smtClean="0"/>
+              <a:t>Compare it to the actual body-type self selection (average = light green) </a:t>
+            </a:r>
+          </a:p>
+          <a:p>
+            <a:endParaRPr lang="en-US" dirty="0"/>
+          </a:p>
+        </p:txBody>
+      </p:sp>
+      <p:pic>
+        <p:nvPicPr>
+          <p:cNvPr id="4" name="Picture 3"/>
+          <p:cNvPicPr>
+            <a:picLocks noChangeAspect="1"/>
+          </p:cNvPicPr>
+          <p:nvPr/>
+        </p:nvPicPr>
+        <p:blipFill>
+          <a:blip r:embed="rId2"/>
+          <a:stretch>
+            <a:fillRect/>
+          </a:stretch>
+        </p:blipFill>
+        <p:spPr>
+          <a:xfrm>
+            <a:off x="4648294" y="2622280"/>
+            <a:ext cx="4193079" cy="4235720"/>
+          </a:xfrm>
+          <a:prstGeom prst="rect">
+            <a:avLst/>
+          </a:prstGeom>
+        </p:spPr>
+      </p:pic>
+      <p:pic>
+        <p:nvPicPr>
+          <p:cNvPr id="5" name="Picture 4"/>
+          <p:cNvPicPr>
+            <a:picLocks noChangeAspect="1"/>
+          </p:cNvPicPr>
+          <p:nvPr/>
+        </p:nvPicPr>
+        <p:blipFill>
+          <a:blip r:embed="rId3"/>
+          <a:stretch>
+            <a:fillRect/>
+          </a:stretch>
+        </p:blipFill>
+        <p:spPr>
+          <a:xfrm>
+            <a:off x="266526" y="2622280"/>
+            <a:ext cx="4193363" cy="4235720"/>
+          </a:xfrm>
+          <a:prstGeom prst="rect">
+            <a:avLst/>
+          </a:prstGeom>
+        </p:spPr>
+      </p:pic>
+    </p:spTree>
+    <p:extLst>
+      <p:ext uri="{BB962C8B-B14F-4D97-AF65-F5344CB8AC3E}">
+        <p14:creationId xmlns:p14="http://schemas.microsoft.com/office/powerpoint/2010/main" val="3399907686"/>
+      </p:ext>
+    </p:extLst>
+  </p:cSld>
+  <p:clrMapOvr>
+    <a:masterClrMapping/>
+  </p:clrMapOvr>
+  <p:timing>
+    <p:tnLst>
+      <p:par>
+        <p:cTn xmlns:p14="http://schemas.microsoft.com/office/powerpoint/2010/main" id="1" dur="indefinite" restart="never" nodeType="tmRoot"/>
+      </p:par>
+    </p:tnLst>
+  </p:timing>
+</p:sld>
+</file>
+
+<file path=ppt/slides/slide9.xml><?xml version="1.0" encoding="utf-8"?>
+<p:sld xmlns:a="http://schemas.openxmlformats.org/drawingml/2006/main" xmlns:r="http://schemas.openxmlformats.org/officeDocument/2006/relationships" xmlns:p="http://schemas.openxmlformats.org/presentationml/2006/main">
+  <p:cSld>
+    <p:spTree>
+      <p:nvGrpSpPr>
+        <p:cNvPr id="1" name=""/>
+        <p:cNvGrpSpPr/>
+        <p:nvPr/>
+      </p:nvGrpSpPr>
+      <p:grpSpPr>
+        <a:xfrm>
+          <a:off x="0" y="0"/>
+          <a:ext cx="0" cy="0"/>
+          <a:chOff x="0" y="0"/>
+          <a:chExt cx="0" cy="0"/>
+        </a:xfrm>
+      </p:grpSpPr>
+      <p:pic>
+        <p:nvPicPr>
+          <p:cNvPr id="4" name="Picture 3"/>
+          <p:cNvPicPr>
+            <a:picLocks noChangeAspect="1"/>
+          </p:cNvPicPr>
+          <p:nvPr/>
+        </p:nvPicPr>
+        <p:blipFill>
+          <a:blip r:embed="rId2"/>
+          <a:stretch>
+            <a:fillRect/>
+          </a:stretch>
+        </p:blipFill>
+        <p:spPr>
+          <a:xfrm>
+            <a:off x="1181100" y="0"/>
+            <a:ext cx="6777453" cy="6858000"/>
+          </a:xfrm>
+          <a:prstGeom prst="rect">
+            <a:avLst/>
+          </a:prstGeom>
+        </p:spPr>
+      </p:pic>
+    </p:spTree>
+    <p:extLst>
+      <p:ext uri="{BB962C8B-B14F-4D97-AF65-F5344CB8AC3E}">
+        <p14:creationId xmlns:p14="http://schemas.microsoft.com/office/powerpoint/2010/main" val="149668090"/>
       </p:ext>
     </p:extLst>
   </p:cSld>
